--- a/probability/intro-to-probability.pptx
+++ b/probability/intro-to-probability.pptx
@@ -14319,7 +14319,7 @@
             </a:pPr>
             <a:r>
               <a:rPr lang="en-US" sz="3200" dirty="0"/>
-              <a:t>7.1 Intro to </a:t>
+              <a:t>10.1 Intro to </a:t>
             </a:r>
             <a:br>
               <a:rPr lang="en-US" sz="3200" dirty="0"/>
@@ -20295,8 +20295,8 @@
           </p:sp>
         </mc:Fallback>
       </mc:AlternateContent>
-      <mc:AlternateContent xmlns:mc="http://schemas.openxmlformats.org/markup-compatibility/2006">
-        <mc:Choice xmlns:a14="http://schemas.microsoft.com/office/drawing/2010/main" Requires="a14">
+      <mc:AlternateContent xmlns:mc="http://schemas.openxmlformats.org/markup-compatibility/2006" xmlns:a14="http://schemas.microsoft.com/office/drawing/2010/main">
+        <mc:Choice Requires="a14">
           <p:sp>
             <p:nvSpPr>
               <p:cNvPr id="10" name="TextBox 9">
@@ -20429,7 +20429,7 @@
             </p:txBody>
           </p:sp>
         </mc:Choice>
-        <mc:Fallback>
+        <mc:Fallback xmlns="">
           <p:sp>
             <p:nvSpPr>
               <p:cNvPr id="10" name="TextBox 9">
@@ -32916,7 +32916,7 @@
                             </p:stCondLst>
                             <p:childTnLst>
                               <p:par>
-                                <p:cTn id="5" presetID="9" presetClass="entr" presetSubtype="0" fill="hold" grpId="0" nodeType="clickEffect">
+                                <p:cTn id="5" presetID="1" presetClass="entr" presetSubtype="0" fill="hold" grpId="0" nodeType="clickEffect">
                                   <p:stCondLst>
                                     <p:cond delay="0"/>
                                   </p:stCondLst>
@@ -32939,14 +32939,6 @@
                                         <p:strVal val="visible"/>
                                       </p:to>
                                     </p:set>
-                                    <p:animEffect transition="in" filter="dissolve">
-                                      <p:cBhvr>
-                                        <p:cTn id="7" dur="500"/>
-                                        <p:tgtEl>
-                                          <p:spTgt spid="11"/>
-                                        </p:tgtEl>
-                                      </p:cBhvr>
-                                    </p:animEffect>
                                   </p:childTnLst>
                                 </p:cTn>
                               </p:par>
@@ -34240,8 +34232,8 @@
             </p:nvSpPr>
             <p:spPr>
               <a:xfrm>
-                <a:off x="577768" y="1455089"/>
-                <a:ext cx="4104592" cy="3217457"/>
+                <a:off x="577767" y="1455089"/>
+                <a:ext cx="5728907" cy="3217457"/>
               </a:xfrm>
             </p:spPr>
             <p:txBody>
@@ -34249,86 +34241,86 @@
               <a:lstStyle/>
               <a:p>
                 <a:r>
-                  <a:rPr lang="en-US" b="1" u="sng" dirty="0"/>
+                  <a:rPr lang="en-US" sz="1800" b="1" u="sng" dirty="0"/>
                   <a:t>Sample space </a:t>
                 </a:r>
                 <a:r>
-                  <a:rPr lang="en-US" b="1" i="1" u="sng" dirty="0"/>
+                  <a:rPr lang="en-US" sz="1800" b="1" i="1" u="sng" dirty="0"/>
                   <a:t>(S)</a:t>
                 </a:r>
                 <a:r>
-                  <a:rPr lang="en-US" i="1" dirty="0"/>
+                  <a:rPr lang="en-US" sz="1800" i="1" dirty="0"/>
                   <a:t>,</a:t>
                 </a:r>
                 <a:r>
-                  <a:rPr lang="en-US" dirty="0"/>
+                  <a:rPr lang="en-US" sz="1800" dirty="0"/>
                   <a:t> which is the set of all possible outcomes of an experiment/trial.</a:t>
                 </a:r>
               </a:p>
               <a:p>
                 <a:pPr lvl="1"/>
                 <a:r>
-                  <a:rPr lang="en-US" sz="2000" dirty="0"/>
+                  <a:rPr lang="en-US" sz="1800" dirty="0"/>
                   <a:t>EX: If you flip a coin twice, </a:t>
                 </a:r>
                 <a14:m>
                   <m:oMath xmlns:m="http://schemas.openxmlformats.org/officeDocument/2006/math">
                     <m:r>
-                      <a:rPr lang="en-US" sz="2000" b="0" i="1" smtClean="0">
+                      <a:rPr lang="en-US" sz="1800" b="0" i="1" smtClean="0">
                         <a:latin typeface="Cambria Math" panose="02040503050406030204" pitchFamily="18" charset="0"/>
                       </a:rPr>
                       <m:t>𝑆</m:t>
                     </m:r>
                     <m:r>
-                      <a:rPr lang="en-US" sz="2000" b="0" i="1" smtClean="0">
+                      <a:rPr lang="en-US" sz="1800" b="0" i="1" smtClean="0">
                         <a:latin typeface="Cambria Math" panose="02040503050406030204" pitchFamily="18" charset="0"/>
                       </a:rPr>
                       <m:t>={</m:t>
                     </m:r>
                     <m:r>
-                      <a:rPr lang="en-US" sz="2000" b="0" i="1" smtClean="0">
+                      <a:rPr lang="en-US" sz="1800" b="0" i="1" smtClean="0">
                         <a:latin typeface="Cambria Math" panose="02040503050406030204" pitchFamily="18" charset="0"/>
                       </a:rPr>
                       <m:t>𝐻𝐻</m:t>
                     </m:r>
                     <m:r>
-                      <a:rPr lang="en-US" sz="2000" b="0" i="1" smtClean="0">
+                      <a:rPr lang="en-US" sz="1800" b="0" i="1" smtClean="0">
                         <a:latin typeface="Cambria Math" panose="02040503050406030204" pitchFamily="18" charset="0"/>
                       </a:rPr>
                       <m:t>, </m:t>
                     </m:r>
                     <m:r>
-                      <a:rPr lang="en-US" sz="2000" b="0" i="1" smtClean="0">
+                      <a:rPr lang="en-US" sz="1800" b="0" i="1" smtClean="0">
                         <a:latin typeface="Cambria Math" panose="02040503050406030204" pitchFamily="18" charset="0"/>
                       </a:rPr>
                       <m:t>𝐻𝑇</m:t>
                     </m:r>
                     <m:r>
-                      <a:rPr lang="en-US" sz="2000" b="0" i="1" smtClean="0">
+                      <a:rPr lang="en-US" sz="1800" b="0" i="1" smtClean="0">
                         <a:latin typeface="Cambria Math" panose="02040503050406030204" pitchFamily="18" charset="0"/>
                       </a:rPr>
                       <m:t>, </m:t>
                     </m:r>
                     <m:r>
-                      <a:rPr lang="en-US" sz="2000" b="0" i="1" smtClean="0">
+                      <a:rPr lang="en-US" sz="1800" b="0" i="1" smtClean="0">
                         <a:latin typeface="Cambria Math" panose="02040503050406030204" pitchFamily="18" charset="0"/>
                       </a:rPr>
                       <m:t>𝑇𝐻</m:t>
                     </m:r>
                     <m:r>
-                      <a:rPr lang="en-US" sz="2000" b="0" i="1" smtClean="0">
+                      <a:rPr lang="en-US" sz="1800" b="0" i="1" smtClean="0">
                         <a:latin typeface="Cambria Math" panose="02040503050406030204" pitchFamily="18" charset="0"/>
                       </a:rPr>
                       <m:t>, </m:t>
                     </m:r>
                     <m:r>
-                      <a:rPr lang="en-US" sz="2000" b="0" i="1" smtClean="0">
+                      <a:rPr lang="en-US" sz="1800" b="0" i="1" smtClean="0">
                         <a:latin typeface="Cambria Math" panose="02040503050406030204" pitchFamily="18" charset="0"/>
                       </a:rPr>
                       <m:t>𝑇𝑇</m:t>
                     </m:r>
                     <m:r>
-                      <a:rPr lang="en-US" sz="2000" b="0" i="1" smtClean="0">
+                      <a:rPr lang="en-US" sz="1800" b="0" i="1" smtClean="0">
                         <a:latin typeface="Cambria Math" panose="02040503050406030204" pitchFamily="18" charset="0"/>
                       </a:rPr>
                       <m:t>}</m:t>
@@ -34336,8 +34328,33 @@
                   </m:oMath>
                 </a14:m>
                 <a:r>
-                  <a:rPr lang="en-US" sz="2000" dirty="0"/>
+                  <a:rPr lang="en-US" sz="1800" dirty="0"/>
                   <a:t>.</a:t>
+                </a:r>
+              </a:p>
+              <a:p>
+                <a:pPr lvl="1"/>
+                <a:endParaRPr lang="en-US" sz="1800" dirty="0"/>
+              </a:p>
+              <a:p>
+                <a:r>
+                  <a:rPr lang="en-US" sz="1800" dirty="0"/>
+                  <a:t>A </a:t>
+                </a:r>
+                <a:r>
+                  <a:rPr lang="en-US" sz="1800" b="1" u="sng" dirty="0"/>
+                  <a:t>tree diagram</a:t>
+                </a:r>
+                <a:r>
+                  <a:rPr lang="en-US" sz="1800" dirty="0"/>
+                  <a:t> uses branches to indicate all possible outcomes at each stage for an experiment.</a:t>
+                </a:r>
+              </a:p>
+              <a:p>
+                <a:pPr lvl="1"/>
+                <a:r>
+                  <a:rPr lang="en-US" sz="1800" dirty="0"/>
+                  <a:t>Each path of branches in a tree diagram indicates a single possible outcome for the experiment.</a:t>
                 </a:r>
               </a:p>
             </p:txBody>
@@ -34362,13 +34379,13 @@
             </p:nvSpPr>
             <p:spPr>
               <a:xfrm>
-                <a:off x="577768" y="1455089"/>
-                <a:ext cx="4104592" cy="3217457"/>
+                <a:off x="577767" y="1455089"/>
+                <a:ext cx="5728907" cy="3217457"/>
               </a:xfrm>
               <a:blipFill>
                 <a:blip r:embed="rId3"/>
                 <a:stretch>
-                  <a:fillRect l="-926"/>
+                  <a:fillRect l="-664" t="-1575" r="-221"/>
                 </a:stretch>
               </a:blipFill>
             </p:spPr>
@@ -35017,8 +35034,8 @@
         </p:blipFill>
         <p:spPr>
           <a:xfrm>
-            <a:off x="5562849" y="1724394"/>
-            <a:ext cx="2678845" cy="2678845"/>
+            <a:off x="6814489" y="1098817"/>
+            <a:ext cx="1644671" cy="1644671"/>
           </a:xfrm>
           <a:prstGeom prst="rect">
             <a:avLst/>
@@ -35286,6 +35303,53 @@
           </a:p>
         </p:txBody>
       </p:sp>
+      <p:pic>
+        <p:nvPicPr>
+          <p:cNvPr id="1026" name="Picture 2" descr="Consider a fair coin tossed twice. Let event A be first toss is heads, B be  second toss is heads, C be first toss is not tails, and D be the two">
+            <a:extLst>
+              <a:ext uri="{FF2B5EF4-FFF2-40B4-BE49-F238E27FC236}">
+                <a16:creationId xmlns:a16="http://schemas.microsoft.com/office/drawing/2014/main" id="{FC8B8E67-47C7-68B5-D35C-F2C7EB1A4E85}"/>
+              </a:ext>
+            </a:extLst>
+          </p:cNvPr>
+          <p:cNvPicPr>
+            <a:picLocks noChangeAspect="1" noChangeArrowheads="1"/>
+          </p:cNvPicPr>
+          <p:nvPr/>
+        </p:nvPicPr>
+        <p:blipFill>
+          <a:blip r:embed="rId5">
+            <a:extLst>
+              <a:ext uri="{28A0092B-C50C-407E-A947-70E740481C1C}">
+                <a14:useLocalDpi xmlns:a14="http://schemas.microsoft.com/office/drawing/2010/main" val="0"/>
+              </a:ext>
+            </a:extLst>
+          </a:blip>
+          <a:srcRect/>
+          <a:stretch>
+            <a:fillRect/>
+          </a:stretch>
+        </p:blipFill>
+        <p:spPr bwMode="auto">
+          <a:xfrm>
+            <a:off x="6564491" y="2940814"/>
+            <a:ext cx="2053108" cy="1388017"/>
+          </a:xfrm>
+          <a:prstGeom prst="rect">
+            <a:avLst/>
+          </a:prstGeom>
+          <a:noFill/>
+          <a:extLst>
+            <a:ext uri="{909E8E84-426E-40DD-AFC4-6F175D3DCCD1}">
+              <a14:hiddenFill xmlns:a14="http://schemas.microsoft.com/office/drawing/2010/main">
+                <a:solidFill>
+                  <a:srgbClr val="FFFFFF"/>
+                </a:solidFill>
+              </a14:hiddenFill>
+            </a:ext>
+          </a:extLst>
+        </p:spPr>
+      </p:pic>
     </p:spTree>
     <p:extLst>
       <p:ext uri="{BB962C8B-B14F-4D97-AF65-F5344CB8AC3E}">
@@ -35296,6 +35360,81 @@
   <p:clrMapOvr>
     <a:masterClrMapping/>
   </p:clrMapOvr>
+  <p:timing>
+    <p:tnLst>
+      <p:par>
+        <p:cTn id="1" dur="indefinite" restart="never" nodeType="tmRoot">
+          <p:childTnLst>
+            <p:seq concurrent="1" nextAc="seek">
+              <p:cTn id="2" dur="indefinite" nodeType="mainSeq">
+                <p:childTnLst>
+                  <p:par>
+                    <p:cTn id="3" fill="hold">
+                      <p:stCondLst>
+                        <p:cond delay="indefinite"/>
+                      </p:stCondLst>
+                      <p:childTnLst>
+                        <p:par>
+                          <p:cTn id="4" fill="hold">
+                            <p:stCondLst>
+                              <p:cond delay="0"/>
+                            </p:stCondLst>
+                            <p:childTnLst>
+                              <p:par>
+                                <p:cTn id="5" presetID="1" presetClass="entr" presetSubtype="0" fill="hold" nodeType="clickEffect">
+                                  <p:stCondLst>
+                                    <p:cond delay="0"/>
+                                  </p:stCondLst>
+                                  <p:childTnLst>
+                                    <p:set>
+                                      <p:cBhvr>
+                                        <p:cTn id="6" dur="1" fill="hold">
+                                          <p:stCondLst>
+                                            <p:cond delay="0"/>
+                                          </p:stCondLst>
+                                        </p:cTn>
+                                        <p:tgtEl>
+                                          <p:spTgt spid="1026"/>
+                                        </p:tgtEl>
+                                        <p:attrNameLst>
+                                          <p:attrName>style.visibility</p:attrName>
+                                        </p:attrNameLst>
+                                      </p:cBhvr>
+                                      <p:to>
+                                        <p:strVal val="visible"/>
+                                      </p:to>
+                                    </p:set>
+                                  </p:childTnLst>
+                                </p:cTn>
+                              </p:par>
+                            </p:childTnLst>
+                          </p:cTn>
+                        </p:par>
+                      </p:childTnLst>
+                    </p:cTn>
+                  </p:par>
+                </p:childTnLst>
+              </p:cTn>
+              <p:prevCondLst>
+                <p:cond evt="onPrev" delay="0">
+                  <p:tgtEl>
+                    <p:sldTgt/>
+                  </p:tgtEl>
+                </p:cond>
+              </p:prevCondLst>
+              <p:nextCondLst>
+                <p:cond evt="onNext" delay="0">
+                  <p:tgtEl>
+                    <p:sldTgt/>
+                  </p:tgtEl>
+                </p:cond>
+              </p:nextCondLst>
+            </p:seq>
+          </p:childTnLst>
+        </p:cTn>
+      </p:par>
+    </p:tnLst>
+  </p:timing>
 </p:sld>
 </file>
 
